--- a/Yanhong Wang/2020/20200110.pptx
+++ b/Yanhong Wang/2020/20200110.pptx
@@ -8,6 +8,9 @@
     <p:sldId id="256" r:id="rId2"/>
     <p:sldId id="257" r:id="rId3"/>
     <p:sldId id="258" r:id="rId4"/>
+    <p:sldId id="259" r:id="rId5"/>
+    <p:sldId id="260" r:id="rId6"/>
+    <p:sldId id="261" r:id="rId7"/>
   </p:sldIdLst>
   <p:sldSz cx="12192000" cy="6858000"/>
   <p:notesSz cx="6858000" cy="9144000"/>
@@ -17829,6 +17832,2035 @@
 </p:sld>
 </file>
 
+<file path=ppt/slides/slide4.xml><?xml version="1.0" encoding="utf-8"?>
+<p:sld xmlns:a="http://schemas.openxmlformats.org/drawingml/2006/main" xmlns:r="http://schemas.openxmlformats.org/officeDocument/2006/relationships" xmlns:p="http://schemas.openxmlformats.org/presentationml/2006/main">
+  <p:cSld>
+    <p:spTree>
+      <p:nvGrpSpPr>
+        <p:cNvPr id="1" name=""/>
+        <p:cNvGrpSpPr/>
+        <p:nvPr/>
+      </p:nvGrpSpPr>
+      <p:grpSpPr>
+        <a:xfrm>
+          <a:off x="0" y="0"/>
+          <a:ext cx="0" cy="0"/>
+          <a:chOff x="0" y="0"/>
+          <a:chExt cx="0" cy="0"/>
+        </a:xfrm>
+      </p:grpSpPr>
+      <p:pic>
+        <p:nvPicPr>
+          <p:cNvPr id="4" name="图片 3">
+            <a:extLst>
+              <a:ext uri="{FF2B5EF4-FFF2-40B4-BE49-F238E27FC236}">
+                <a16:creationId xmlns:a16="http://schemas.microsoft.com/office/drawing/2014/main" id="{3DE1D55E-835E-4F97-8460-E28DE4D5E38E}"/>
+              </a:ext>
+            </a:extLst>
+          </p:cNvPr>
+          <p:cNvPicPr>
+            <a:picLocks noChangeAspect="1"/>
+          </p:cNvPicPr>
+          <p:nvPr/>
+        </p:nvPicPr>
+        <p:blipFill>
+          <a:blip r:embed="rId2"/>
+          <a:stretch>
+            <a:fillRect/>
+          </a:stretch>
+        </p:blipFill>
+        <p:spPr>
+          <a:xfrm>
+            <a:off x="442424" y="1052200"/>
+            <a:ext cx="7001852" cy="4467849"/>
+          </a:xfrm>
+          <a:prstGeom prst="rect">
+            <a:avLst/>
+          </a:prstGeom>
+        </p:spPr>
+      </p:pic>
+      <p:sp>
+        <p:nvSpPr>
+          <p:cNvPr id="5" name="矩形 4">
+            <a:extLst>
+              <a:ext uri="{FF2B5EF4-FFF2-40B4-BE49-F238E27FC236}">
+                <a16:creationId xmlns:a16="http://schemas.microsoft.com/office/drawing/2014/main" id="{A977BEB1-52A8-42B5-8936-605176CE331A}"/>
+              </a:ext>
+            </a:extLst>
+          </p:cNvPr>
+          <p:cNvSpPr/>
+          <p:nvPr/>
+        </p:nvSpPr>
+        <p:spPr>
+          <a:xfrm>
+            <a:off x="1600199" y="3564887"/>
+            <a:ext cx="5743575" cy="1330963"/>
+          </a:xfrm>
+          <a:prstGeom prst="rect">
+            <a:avLst/>
+          </a:prstGeom>
+          <a:noFill/>
+          <a:ln>
+            <a:solidFill>
+              <a:schemeClr val="accent2"/>
+            </a:solidFill>
+          </a:ln>
+        </p:spPr>
+        <p:style>
+          <a:lnRef idx="2">
+            <a:schemeClr val="accent1">
+              <a:shade val="50000"/>
+            </a:schemeClr>
+          </a:lnRef>
+          <a:fillRef idx="1">
+            <a:schemeClr val="accent1"/>
+          </a:fillRef>
+          <a:effectRef idx="0">
+            <a:schemeClr val="accent1"/>
+          </a:effectRef>
+          <a:fontRef idx="minor">
+            <a:schemeClr val="lt1"/>
+          </a:fontRef>
+        </p:style>
+        <p:txBody>
+          <a:bodyPr rtlCol="0" anchor="ctr"/>
+          <a:lstStyle/>
+          <a:p>
+            <a:pPr algn="ctr"/>
+            <a:endParaRPr lang="zh-CN" altLang="en-US"/>
+          </a:p>
+        </p:txBody>
+      </p:sp>
+      <p:sp>
+        <p:nvSpPr>
+          <p:cNvPr id="6" name="矩形 5">
+            <a:extLst>
+              <a:ext uri="{FF2B5EF4-FFF2-40B4-BE49-F238E27FC236}">
+                <a16:creationId xmlns:a16="http://schemas.microsoft.com/office/drawing/2014/main" id="{A7126DD9-5050-4149-AA1C-324084ACC546}"/>
+              </a:ext>
+            </a:extLst>
+          </p:cNvPr>
+          <p:cNvSpPr/>
+          <p:nvPr/>
+        </p:nvSpPr>
+        <p:spPr>
+          <a:xfrm>
+            <a:off x="1600199" y="2133600"/>
+            <a:ext cx="1495426" cy="1330963"/>
+          </a:xfrm>
+          <a:prstGeom prst="rect">
+            <a:avLst/>
+          </a:prstGeom>
+          <a:noFill/>
+        </p:spPr>
+        <p:style>
+          <a:lnRef idx="2">
+            <a:schemeClr val="accent1">
+              <a:shade val="50000"/>
+            </a:schemeClr>
+          </a:lnRef>
+          <a:fillRef idx="1">
+            <a:schemeClr val="accent1"/>
+          </a:fillRef>
+          <a:effectRef idx="0">
+            <a:schemeClr val="accent1"/>
+          </a:effectRef>
+          <a:fontRef idx="minor">
+            <a:schemeClr val="lt1"/>
+          </a:fontRef>
+        </p:style>
+        <p:txBody>
+          <a:bodyPr rtlCol="0" anchor="ctr"/>
+          <a:lstStyle/>
+          <a:p>
+            <a:pPr algn="ctr"/>
+            <a:endParaRPr lang="zh-CN" altLang="en-US"/>
+          </a:p>
+        </p:txBody>
+      </p:sp>
+      <p:sp>
+        <p:nvSpPr>
+          <p:cNvPr id="7" name="矩形 6">
+            <a:extLst>
+              <a:ext uri="{FF2B5EF4-FFF2-40B4-BE49-F238E27FC236}">
+                <a16:creationId xmlns:a16="http://schemas.microsoft.com/office/drawing/2014/main" id="{38B39242-2396-43E9-A1A1-9423D3E9E033}"/>
+              </a:ext>
+            </a:extLst>
+          </p:cNvPr>
+          <p:cNvSpPr/>
+          <p:nvPr/>
+        </p:nvSpPr>
+        <p:spPr>
+          <a:xfrm>
+            <a:off x="1600199" y="3564887"/>
+            <a:ext cx="1495426" cy="1330963"/>
+          </a:xfrm>
+          <a:prstGeom prst="rect">
+            <a:avLst/>
+          </a:prstGeom>
+          <a:noFill/>
+          <a:ln>
+            <a:solidFill>
+              <a:srgbClr val="FF0000"/>
+            </a:solidFill>
+          </a:ln>
+        </p:spPr>
+        <p:style>
+          <a:lnRef idx="2">
+            <a:schemeClr val="accent1">
+              <a:shade val="50000"/>
+            </a:schemeClr>
+          </a:lnRef>
+          <a:fillRef idx="1">
+            <a:schemeClr val="accent1"/>
+          </a:fillRef>
+          <a:effectRef idx="0">
+            <a:schemeClr val="accent1"/>
+          </a:effectRef>
+          <a:fontRef idx="minor">
+            <a:schemeClr val="lt1"/>
+          </a:fontRef>
+        </p:style>
+        <p:txBody>
+          <a:bodyPr rtlCol="0" anchor="ctr"/>
+          <a:lstStyle/>
+          <a:p>
+            <a:pPr algn="ctr"/>
+            <a:endParaRPr lang="zh-CN" altLang="en-US" dirty="0"/>
+          </a:p>
+        </p:txBody>
+      </p:sp>
+    </p:spTree>
+    <p:extLst>
+      <p:ext uri="{BB962C8B-B14F-4D97-AF65-F5344CB8AC3E}">
+        <p14:creationId xmlns:p14="http://schemas.microsoft.com/office/powerpoint/2010/main" val="4205800141"/>
+      </p:ext>
+    </p:extLst>
+  </p:cSld>
+  <p:clrMapOvr>
+    <a:masterClrMapping/>
+  </p:clrMapOvr>
+</p:sld>
+</file>
+
+<file path=ppt/slides/slide5.xml><?xml version="1.0" encoding="utf-8"?>
+<p:sld xmlns:a="http://schemas.openxmlformats.org/drawingml/2006/main" xmlns:r="http://schemas.openxmlformats.org/officeDocument/2006/relationships" xmlns:p="http://schemas.openxmlformats.org/presentationml/2006/main">
+  <p:cSld>
+    <p:spTree>
+      <p:nvGrpSpPr>
+        <p:cNvPr id="1" name=""/>
+        <p:cNvGrpSpPr/>
+        <p:nvPr/>
+      </p:nvGrpSpPr>
+      <p:grpSpPr>
+        <a:xfrm>
+          <a:off x="0" y="0"/>
+          <a:ext cx="0" cy="0"/>
+          <a:chOff x="0" y="0"/>
+          <a:chExt cx="0" cy="0"/>
+        </a:xfrm>
+      </p:grpSpPr>
+      <p:pic>
+        <p:nvPicPr>
+          <p:cNvPr id="4" name="图片 3">
+            <a:extLst>
+              <a:ext uri="{FF2B5EF4-FFF2-40B4-BE49-F238E27FC236}">
+                <a16:creationId xmlns:a16="http://schemas.microsoft.com/office/drawing/2014/main" id="{9B454134-F429-4E6F-9764-9CDC502DDF83}"/>
+              </a:ext>
+            </a:extLst>
+          </p:cNvPr>
+          <p:cNvPicPr>
+            <a:picLocks noChangeAspect="1"/>
+          </p:cNvPicPr>
+          <p:nvPr/>
+        </p:nvPicPr>
+        <p:blipFill>
+          <a:blip r:embed="rId2"/>
+          <a:stretch>
+            <a:fillRect/>
+          </a:stretch>
+        </p:blipFill>
+        <p:spPr>
+          <a:xfrm>
+            <a:off x="0" y="440151"/>
+            <a:ext cx="12192000" cy="3463097"/>
+          </a:xfrm>
+          <a:prstGeom prst="rect">
+            <a:avLst/>
+          </a:prstGeom>
+        </p:spPr>
+      </p:pic>
+      <p:sp>
+        <p:nvSpPr>
+          <p:cNvPr id="6" name="矩形 5">
+            <a:extLst>
+              <a:ext uri="{FF2B5EF4-FFF2-40B4-BE49-F238E27FC236}">
+                <a16:creationId xmlns:a16="http://schemas.microsoft.com/office/drawing/2014/main" id="{B0D84C4E-47E0-495C-AC39-EC328BF20FB6}"/>
+              </a:ext>
+            </a:extLst>
+          </p:cNvPr>
+          <p:cNvSpPr/>
+          <p:nvPr/>
+        </p:nvSpPr>
+        <p:spPr>
+          <a:xfrm>
+            <a:off x="1990724" y="863280"/>
+            <a:ext cx="1390651" cy="2070419"/>
+          </a:xfrm>
+          <a:prstGeom prst="rect">
+            <a:avLst/>
+          </a:prstGeom>
+          <a:noFill/>
+          <a:ln w="28575">
+            <a:solidFill>
+              <a:srgbClr val="FF0000"/>
+            </a:solidFill>
+          </a:ln>
+        </p:spPr>
+        <p:style>
+          <a:lnRef idx="2">
+            <a:schemeClr val="accent1">
+              <a:shade val="50000"/>
+            </a:schemeClr>
+          </a:lnRef>
+          <a:fillRef idx="1">
+            <a:schemeClr val="accent1"/>
+          </a:fillRef>
+          <a:effectRef idx="0">
+            <a:schemeClr val="accent1"/>
+          </a:effectRef>
+          <a:fontRef idx="minor">
+            <a:schemeClr val="lt1"/>
+          </a:fontRef>
+        </p:style>
+        <p:txBody>
+          <a:bodyPr rtlCol="0" anchor="ctr"/>
+          <a:lstStyle/>
+          <a:p>
+            <a:pPr algn="ctr"/>
+            <a:endParaRPr lang="zh-CN" altLang="en-US" dirty="0"/>
+          </a:p>
+        </p:txBody>
+      </p:sp>
+      <p:sp>
+        <p:nvSpPr>
+          <p:cNvPr id="8" name="矩形 7">
+            <a:extLst>
+              <a:ext uri="{FF2B5EF4-FFF2-40B4-BE49-F238E27FC236}">
+                <a16:creationId xmlns:a16="http://schemas.microsoft.com/office/drawing/2014/main" id="{6823B6C0-2FED-4057-872B-062B064D777D}"/>
+              </a:ext>
+            </a:extLst>
+          </p:cNvPr>
+          <p:cNvSpPr/>
+          <p:nvPr/>
+        </p:nvSpPr>
+        <p:spPr>
+          <a:xfrm>
+            <a:off x="6096000" y="621662"/>
+            <a:ext cx="876300" cy="1149988"/>
+          </a:xfrm>
+          <a:prstGeom prst="rect">
+            <a:avLst/>
+          </a:prstGeom>
+          <a:noFill/>
+          <a:ln w="28575">
+            <a:solidFill>
+              <a:srgbClr val="FF0000"/>
+            </a:solidFill>
+          </a:ln>
+        </p:spPr>
+        <p:style>
+          <a:lnRef idx="2">
+            <a:schemeClr val="accent1">
+              <a:shade val="50000"/>
+            </a:schemeClr>
+          </a:lnRef>
+          <a:fillRef idx="1">
+            <a:schemeClr val="accent1"/>
+          </a:fillRef>
+          <a:effectRef idx="0">
+            <a:schemeClr val="accent1"/>
+          </a:effectRef>
+          <a:fontRef idx="minor">
+            <a:schemeClr val="lt1"/>
+          </a:fontRef>
+        </p:style>
+        <p:txBody>
+          <a:bodyPr rtlCol="0" anchor="ctr"/>
+          <a:lstStyle/>
+          <a:p>
+            <a:pPr algn="ctr"/>
+            <a:endParaRPr lang="zh-CN" altLang="en-US" dirty="0"/>
+          </a:p>
+        </p:txBody>
+      </p:sp>
+    </p:spTree>
+    <p:extLst>
+      <p:ext uri="{BB962C8B-B14F-4D97-AF65-F5344CB8AC3E}">
+        <p14:creationId xmlns:p14="http://schemas.microsoft.com/office/powerpoint/2010/main" val="989147282"/>
+      </p:ext>
+    </p:extLst>
+  </p:cSld>
+  <p:clrMapOvr>
+    <a:masterClrMapping/>
+  </p:clrMapOvr>
+</p:sld>
+</file>
+
+<file path=ppt/slides/slide6.xml><?xml version="1.0" encoding="utf-8"?>
+<p:sld xmlns:a="http://schemas.openxmlformats.org/drawingml/2006/main" xmlns:r="http://schemas.openxmlformats.org/officeDocument/2006/relationships" xmlns:p="http://schemas.openxmlformats.org/presentationml/2006/main">
+  <p:cSld>
+    <p:spTree>
+      <p:nvGrpSpPr>
+        <p:cNvPr id="1" name=""/>
+        <p:cNvGrpSpPr/>
+        <p:nvPr/>
+      </p:nvGrpSpPr>
+      <p:grpSpPr>
+        <a:xfrm>
+          <a:off x="0" y="0"/>
+          <a:ext cx="0" cy="0"/>
+          <a:chOff x="0" y="0"/>
+          <a:chExt cx="0" cy="0"/>
+        </a:xfrm>
+      </p:grpSpPr>
+      <p:pic>
+        <p:nvPicPr>
+          <p:cNvPr id="7" name="图片 6">
+            <a:extLst>
+              <a:ext uri="{FF2B5EF4-FFF2-40B4-BE49-F238E27FC236}">
+                <a16:creationId xmlns:a16="http://schemas.microsoft.com/office/drawing/2014/main" id="{DB5B770A-64EF-48CA-841E-BA675D5F3601}"/>
+              </a:ext>
+            </a:extLst>
+          </p:cNvPr>
+          <p:cNvPicPr>
+            <a:picLocks noChangeAspect="1"/>
+          </p:cNvPicPr>
+          <p:nvPr/>
+        </p:nvPicPr>
+        <p:blipFill rotWithShape="1">
+          <a:blip r:embed="rId2"/>
+          <a:srcRect l="71328" t="-1304" r="18724" b="69143"/>
+          <a:stretch/>
+        </p:blipFill>
+        <p:spPr>
+          <a:xfrm>
+            <a:off x="476249" y="382279"/>
+            <a:ext cx="1276350" cy="1172070"/>
+          </a:xfrm>
+          <a:custGeom>
+            <a:avLst/>
+            <a:gdLst>
+              <a:gd name="connsiteX0" fmla="*/ 0 w 1276350"/>
+              <a:gd name="connsiteY0" fmla="*/ 0 h 1172070"/>
+              <a:gd name="connsiteX1" fmla="*/ 1276350 w 1276350"/>
+              <a:gd name="connsiteY1" fmla="*/ 0 h 1172070"/>
+              <a:gd name="connsiteX2" fmla="*/ 1276350 w 1276350"/>
+              <a:gd name="connsiteY2" fmla="*/ 1172070 h 1172070"/>
+              <a:gd name="connsiteX3" fmla="*/ 0 w 1276350"/>
+              <a:gd name="connsiteY3" fmla="*/ 1172070 h 1172070"/>
+            </a:gdLst>
+            <a:ahLst/>
+            <a:cxnLst>
+              <a:cxn ang="0">
+                <a:pos x="connsiteX0" y="connsiteY0"/>
+              </a:cxn>
+              <a:cxn ang="0">
+                <a:pos x="connsiteX1" y="connsiteY1"/>
+              </a:cxn>
+              <a:cxn ang="0">
+                <a:pos x="connsiteX2" y="connsiteY2"/>
+              </a:cxn>
+              <a:cxn ang="0">
+                <a:pos x="connsiteX3" y="connsiteY3"/>
+              </a:cxn>
+            </a:cxnLst>
+            <a:rect l="l" t="t" r="r" b="b"/>
+            <a:pathLst>
+              <a:path w="1276350" h="1172070">
+                <a:moveTo>
+                  <a:pt x="0" y="0"/>
+                </a:moveTo>
+                <a:lnTo>
+                  <a:pt x="1276350" y="0"/>
+                </a:lnTo>
+                <a:lnTo>
+                  <a:pt x="1276350" y="1172070"/>
+                </a:lnTo>
+                <a:lnTo>
+                  <a:pt x="0" y="1172070"/>
+                </a:lnTo>
+                <a:close/>
+              </a:path>
+            </a:pathLst>
+          </a:custGeom>
+        </p:spPr>
+      </p:pic>
+      <p:pic>
+        <p:nvPicPr>
+          <p:cNvPr id="10" name="图片 9">
+            <a:extLst>
+              <a:ext uri="{FF2B5EF4-FFF2-40B4-BE49-F238E27FC236}">
+                <a16:creationId xmlns:a16="http://schemas.microsoft.com/office/drawing/2014/main" id="{FD3120E7-9F87-43EC-A9EF-4BF65A316206}"/>
+              </a:ext>
+            </a:extLst>
+          </p:cNvPr>
+          <p:cNvPicPr>
+            <a:picLocks noChangeAspect="1"/>
+          </p:cNvPicPr>
+          <p:nvPr/>
+        </p:nvPicPr>
+        <p:blipFill rotWithShape="1">
+          <a:blip r:embed="rId2"/>
+          <a:srcRect l="81276" t="-1304" r="8776" b="69143"/>
+          <a:stretch/>
+        </p:blipFill>
+        <p:spPr>
+          <a:xfrm>
+            <a:off x="1752599" y="382279"/>
+            <a:ext cx="1276351" cy="1172070"/>
+          </a:xfrm>
+          <a:custGeom>
+            <a:avLst/>
+            <a:gdLst>
+              <a:gd name="connsiteX0" fmla="*/ 0 w 1276351"/>
+              <a:gd name="connsiteY0" fmla="*/ 0 h 1172070"/>
+              <a:gd name="connsiteX1" fmla="*/ 1276351 w 1276351"/>
+              <a:gd name="connsiteY1" fmla="*/ 0 h 1172070"/>
+              <a:gd name="connsiteX2" fmla="*/ 1276351 w 1276351"/>
+              <a:gd name="connsiteY2" fmla="*/ 1172070 h 1172070"/>
+              <a:gd name="connsiteX3" fmla="*/ 0 w 1276351"/>
+              <a:gd name="connsiteY3" fmla="*/ 1172070 h 1172070"/>
+            </a:gdLst>
+            <a:ahLst/>
+            <a:cxnLst>
+              <a:cxn ang="0">
+                <a:pos x="connsiteX0" y="connsiteY0"/>
+              </a:cxn>
+              <a:cxn ang="0">
+                <a:pos x="connsiteX1" y="connsiteY1"/>
+              </a:cxn>
+              <a:cxn ang="0">
+                <a:pos x="connsiteX2" y="connsiteY2"/>
+              </a:cxn>
+              <a:cxn ang="0">
+                <a:pos x="connsiteX3" y="connsiteY3"/>
+              </a:cxn>
+            </a:cxnLst>
+            <a:rect l="l" t="t" r="r" b="b"/>
+            <a:pathLst>
+              <a:path w="1276351" h="1172070">
+                <a:moveTo>
+                  <a:pt x="0" y="0"/>
+                </a:moveTo>
+                <a:lnTo>
+                  <a:pt x="1276351" y="0"/>
+                </a:lnTo>
+                <a:lnTo>
+                  <a:pt x="1276351" y="1172070"/>
+                </a:lnTo>
+                <a:lnTo>
+                  <a:pt x="0" y="1172070"/>
+                </a:lnTo>
+                <a:close/>
+              </a:path>
+            </a:pathLst>
+          </a:custGeom>
+        </p:spPr>
+      </p:pic>
+      <p:pic>
+        <p:nvPicPr>
+          <p:cNvPr id="13" name="图片 12">
+            <a:extLst>
+              <a:ext uri="{FF2B5EF4-FFF2-40B4-BE49-F238E27FC236}">
+                <a16:creationId xmlns:a16="http://schemas.microsoft.com/office/drawing/2014/main" id="{2FF8921B-2642-40EA-8B4A-53EC4DD64381}"/>
+              </a:ext>
+            </a:extLst>
+          </p:cNvPr>
+          <p:cNvPicPr>
+            <a:picLocks noChangeAspect="1"/>
+          </p:cNvPicPr>
+          <p:nvPr/>
+        </p:nvPicPr>
+        <p:blipFill rotWithShape="1">
+          <a:blip r:embed="rId2"/>
+          <a:srcRect l="91224" t="-1304" r="-1172" b="69143"/>
+          <a:stretch/>
+        </p:blipFill>
+        <p:spPr>
+          <a:xfrm>
+            <a:off x="3028950" y="382279"/>
+            <a:ext cx="1276350" cy="1172070"/>
+          </a:xfrm>
+          <a:custGeom>
+            <a:avLst/>
+            <a:gdLst>
+              <a:gd name="connsiteX0" fmla="*/ 0 w 1276350"/>
+              <a:gd name="connsiteY0" fmla="*/ 0 h 1172070"/>
+              <a:gd name="connsiteX1" fmla="*/ 1276350 w 1276350"/>
+              <a:gd name="connsiteY1" fmla="*/ 0 h 1172070"/>
+              <a:gd name="connsiteX2" fmla="*/ 1276350 w 1276350"/>
+              <a:gd name="connsiteY2" fmla="*/ 1172070 h 1172070"/>
+              <a:gd name="connsiteX3" fmla="*/ 0 w 1276350"/>
+              <a:gd name="connsiteY3" fmla="*/ 1172070 h 1172070"/>
+            </a:gdLst>
+            <a:ahLst/>
+            <a:cxnLst>
+              <a:cxn ang="0">
+                <a:pos x="connsiteX0" y="connsiteY0"/>
+              </a:cxn>
+              <a:cxn ang="0">
+                <a:pos x="connsiteX1" y="connsiteY1"/>
+              </a:cxn>
+              <a:cxn ang="0">
+                <a:pos x="connsiteX2" y="connsiteY2"/>
+              </a:cxn>
+              <a:cxn ang="0">
+                <a:pos x="connsiteX3" y="connsiteY3"/>
+              </a:cxn>
+            </a:cxnLst>
+            <a:rect l="l" t="t" r="r" b="b"/>
+            <a:pathLst>
+              <a:path w="1276350" h="1172070">
+                <a:moveTo>
+                  <a:pt x="0" y="0"/>
+                </a:moveTo>
+                <a:lnTo>
+                  <a:pt x="1276350" y="0"/>
+                </a:lnTo>
+                <a:lnTo>
+                  <a:pt x="1276350" y="1172070"/>
+                </a:lnTo>
+                <a:lnTo>
+                  <a:pt x="0" y="1172070"/>
+                </a:lnTo>
+                <a:close/>
+              </a:path>
+            </a:pathLst>
+          </a:custGeom>
+        </p:spPr>
+      </p:pic>
+      <p:pic>
+        <p:nvPicPr>
+          <p:cNvPr id="16" name="图片 15">
+            <a:extLst>
+              <a:ext uri="{FF2B5EF4-FFF2-40B4-BE49-F238E27FC236}">
+                <a16:creationId xmlns:a16="http://schemas.microsoft.com/office/drawing/2014/main" id="{F83C9011-725C-4EC7-BBFC-F7A36D4155B1}"/>
+              </a:ext>
+            </a:extLst>
+          </p:cNvPr>
+          <p:cNvPicPr>
+            <a:picLocks noChangeAspect="1"/>
+          </p:cNvPicPr>
+          <p:nvPr/>
+        </p:nvPicPr>
+        <p:blipFill rotWithShape="1">
+          <a:blip r:embed="rId2"/>
+          <a:srcRect l="71328" t="30857" r="18724" b="36983"/>
+          <a:stretch/>
+        </p:blipFill>
+        <p:spPr>
+          <a:xfrm>
+            <a:off x="476249" y="1554349"/>
+            <a:ext cx="1276350" cy="1172070"/>
+          </a:xfrm>
+          <a:custGeom>
+            <a:avLst/>
+            <a:gdLst>
+              <a:gd name="connsiteX0" fmla="*/ 0 w 1276350"/>
+              <a:gd name="connsiteY0" fmla="*/ 0 h 1172070"/>
+              <a:gd name="connsiteX1" fmla="*/ 1276350 w 1276350"/>
+              <a:gd name="connsiteY1" fmla="*/ 0 h 1172070"/>
+              <a:gd name="connsiteX2" fmla="*/ 1276350 w 1276350"/>
+              <a:gd name="connsiteY2" fmla="*/ 1172070 h 1172070"/>
+              <a:gd name="connsiteX3" fmla="*/ 0 w 1276350"/>
+              <a:gd name="connsiteY3" fmla="*/ 1172070 h 1172070"/>
+            </a:gdLst>
+            <a:ahLst/>
+            <a:cxnLst>
+              <a:cxn ang="0">
+                <a:pos x="connsiteX0" y="connsiteY0"/>
+              </a:cxn>
+              <a:cxn ang="0">
+                <a:pos x="connsiteX1" y="connsiteY1"/>
+              </a:cxn>
+              <a:cxn ang="0">
+                <a:pos x="connsiteX2" y="connsiteY2"/>
+              </a:cxn>
+              <a:cxn ang="0">
+                <a:pos x="connsiteX3" y="connsiteY3"/>
+              </a:cxn>
+            </a:cxnLst>
+            <a:rect l="l" t="t" r="r" b="b"/>
+            <a:pathLst>
+              <a:path w="1276350" h="1172070">
+                <a:moveTo>
+                  <a:pt x="0" y="0"/>
+                </a:moveTo>
+                <a:lnTo>
+                  <a:pt x="1276350" y="0"/>
+                </a:lnTo>
+                <a:lnTo>
+                  <a:pt x="1276350" y="1172070"/>
+                </a:lnTo>
+                <a:lnTo>
+                  <a:pt x="0" y="1172070"/>
+                </a:lnTo>
+                <a:close/>
+              </a:path>
+            </a:pathLst>
+          </a:custGeom>
+        </p:spPr>
+      </p:pic>
+      <p:pic>
+        <p:nvPicPr>
+          <p:cNvPr id="19" name="图片 18">
+            <a:extLst>
+              <a:ext uri="{FF2B5EF4-FFF2-40B4-BE49-F238E27FC236}">
+                <a16:creationId xmlns:a16="http://schemas.microsoft.com/office/drawing/2014/main" id="{F4F8F29A-D979-4109-ABC4-630E3F3EF71D}"/>
+              </a:ext>
+            </a:extLst>
+          </p:cNvPr>
+          <p:cNvPicPr>
+            <a:picLocks noChangeAspect="1"/>
+          </p:cNvPicPr>
+          <p:nvPr/>
+        </p:nvPicPr>
+        <p:blipFill rotWithShape="1">
+          <a:blip r:embed="rId2"/>
+          <a:srcRect l="81276" t="30857" r="8776" b="36983"/>
+          <a:stretch/>
+        </p:blipFill>
+        <p:spPr>
+          <a:xfrm>
+            <a:off x="1752599" y="1554349"/>
+            <a:ext cx="1276351" cy="1172070"/>
+          </a:xfrm>
+          <a:custGeom>
+            <a:avLst/>
+            <a:gdLst>
+              <a:gd name="connsiteX0" fmla="*/ 0 w 1276351"/>
+              <a:gd name="connsiteY0" fmla="*/ 0 h 1172070"/>
+              <a:gd name="connsiteX1" fmla="*/ 1276351 w 1276351"/>
+              <a:gd name="connsiteY1" fmla="*/ 0 h 1172070"/>
+              <a:gd name="connsiteX2" fmla="*/ 1276351 w 1276351"/>
+              <a:gd name="connsiteY2" fmla="*/ 1172070 h 1172070"/>
+              <a:gd name="connsiteX3" fmla="*/ 0 w 1276351"/>
+              <a:gd name="connsiteY3" fmla="*/ 1172070 h 1172070"/>
+            </a:gdLst>
+            <a:ahLst/>
+            <a:cxnLst>
+              <a:cxn ang="0">
+                <a:pos x="connsiteX0" y="connsiteY0"/>
+              </a:cxn>
+              <a:cxn ang="0">
+                <a:pos x="connsiteX1" y="connsiteY1"/>
+              </a:cxn>
+              <a:cxn ang="0">
+                <a:pos x="connsiteX2" y="connsiteY2"/>
+              </a:cxn>
+              <a:cxn ang="0">
+                <a:pos x="connsiteX3" y="connsiteY3"/>
+              </a:cxn>
+            </a:cxnLst>
+            <a:rect l="l" t="t" r="r" b="b"/>
+            <a:pathLst>
+              <a:path w="1276351" h="1172070">
+                <a:moveTo>
+                  <a:pt x="0" y="0"/>
+                </a:moveTo>
+                <a:lnTo>
+                  <a:pt x="1276351" y="0"/>
+                </a:lnTo>
+                <a:lnTo>
+                  <a:pt x="1276351" y="1172070"/>
+                </a:lnTo>
+                <a:lnTo>
+                  <a:pt x="0" y="1172070"/>
+                </a:lnTo>
+                <a:close/>
+              </a:path>
+            </a:pathLst>
+          </a:custGeom>
+        </p:spPr>
+      </p:pic>
+      <p:pic>
+        <p:nvPicPr>
+          <p:cNvPr id="22" name="图片 21">
+            <a:extLst>
+              <a:ext uri="{FF2B5EF4-FFF2-40B4-BE49-F238E27FC236}">
+                <a16:creationId xmlns:a16="http://schemas.microsoft.com/office/drawing/2014/main" id="{682E99D6-F9CA-41D7-94C0-87BA2971CF01}"/>
+              </a:ext>
+            </a:extLst>
+          </p:cNvPr>
+          <p:cNvPicPr>
+            <a:picLocks noChangeAspect="1"/>
+          </p:cNvPicPr>
+          <p:nvPr/>
+        </p:nvPicPr>
+        <p:blipFill rotWithShape="1">
+          <a:blip r:embed="rId2"/>
+          <a:srcRect l="91224" t="30857" r="-1172" b="36983"/>
+          <a:stretch/>
+        </p:blipFill>
+        <p:spPr>
+          <a:xfrm>
+            <a:off x="3028950" y="1554349"/>
+            <a:ext cx="1276350" cy="1172070"/>
+          </a:xfrm>
+          <a:custGeom>
+            <a:avLst/>
+            <a:gdLst>
+              <a:gd name="connsiteX0" fmla="*/ 0 w 1276350"/>
+              <a:gd name="connsiteY0" fmla="*/ 0 h 1172070"/>
+              <a:gd name="connsiteX1" fmla="*/ 1276350 w 1276350"/>
+              <a:gd name="connsiteY1" fmla="*/ 0 h 1172070"/>
+              <a:gd name="connsiteX2" fmla="*/ 1276350 w 1276350"/>
+              <a:gd name="connsiteY2" fmla="*/ 1172070 h 1172070"/>
+              <a:gd name="connsiteX3" fmla="*/ 0 w 1276350"/>
+              <a:gd name="connsiteY3" fmla="*/ 1172070 h 1172070"/>
+            </a:gdLst>
+            <a:ahLst/>
+            <a:cxnLst>
+              <a:cxn ang="0">
+                <a:pos x="connsiteX0" y="connsiteY0"/>
+              </a:cxn>
+              <a:cxn ang="0">
+                <a:pos x="connsiteX1" y="connsiteY1"/>
+              </a:cxn>
+              <a:cxn ang="0">
+                <a:pos x="connsiteX2" y="connsiteY2"/>
+              </a:cxn>
+              <a:cxn ang="0">
+                <a:pos x="connsiteX3" y="connsiteY3"/>
+              </a:cxn>
+            </a:cxnLst>
+            <a:rect l="l" t="t" r="r" b="b"/>
+            <a:pathLst>
+              <a:path w="1276350" h="1172070">
+                <a:moveTo>
+                  <a:pt x="0" y="0"/>
+                </a:moveTo>
+                <a:lnTo>
+                  <a:pt x="1276350" y="0"/>
+                </a:lnTo>
+                <a:lnTo>
+                  <a:pt x="1276350" y="1172070"/>
+                </a:lnTo>
+                <a:lnTo>
+                  <a:pt x="0" y="1172070"/>
+                </a:lnTo>
+                <a:close/>
+              </a:path>
+            </a:pathLst>
+          </a:custGeom>
+        </p:spPr>
+      </p:pic>
+      <p:pic>
+        <p:nvPicPr>
+          <p:cNvPr id="25" name="图片 24">
+            <a:extLst>
+              <a:ext uri="{FF2B5EF4-FFF2-40B4-BE49-F238E27FC236}">
+                <a16:creationId xmlns:a16="http://schemas.microsoft.com/office/drawing/2014/main" id="{4807D4D5-643D-4AD1-9A61-B037D09AEEDA}"/>
+              </a:ext>
+            </a:extLst>
+          </p:cNvPr>
+          <p:cNvPicPr>
+            <a:picLocks noChangeAspect="1"/>
+          </p:cNvPicPr>
+          <p:nvPr/>
+        </p:nvPicPr>
+        <p:blipFill rotWithShape="1">
+          <a:blip r:embed="rId2"/>
+          <a:srcRect l="71328" t="63017" r="18724" b="4822"/>
+          <a:stretch/>
+        </p:blipFill>
+        <p:spPr>
+          <a:xfrm>
+            <a:off x="476249" y="2726419"/>
+            <a:ext cx="1276350" cy="1172070"/>
+          </a:xfrm>
+          <a:custGeom>
+            <a:avLst/>
+            <a:gdLst>
+              <a:gd name="connsiteX0" fmla="*/ 0 w 1276350"/>
+              <a:gd name="connsiteY0" fmla="*/ 0 h 1172070"/>
+              <a:gd name="connsiteX1" fmla="*/ 1276350 w 1276350"/>
+              <a:gd name="connsiteY1" fmla="*/ 0 h 1172070"/>
+              <a:gd name="connsiteX2" fmla="*/ 1276350 w 1276350"/>
+              <a:gd name="connsiteY2" fmla="*/ 1172070 h 1172070"/>
+              <a:gd name="connsiteX3" fmla="*/ 0 w 1276350"/>
+              <a:gd name="connsiteY3" fmla="*/ 1172070 h 1172070"/>
+            </a:gdLst>
+            <a:ahLst/>
+            <a:cxnLst>
+              <a:cxn ang="0">
+                <a:pos x="connsiteX0" y="connsiteY0"/>
+              </a:cxn>
+              <a:cxn ang="0">
+                <a:pos x="connsiteX1" y="connsiteY1"/>
+              </a:cxn>
+              <a:cxn ang="0">
+                <a:pos x="connsiteX2" y="connsiteY2"/>
+              </a:cxn>
+              <a:cxn ang="0">
+                <a:pos x="connsiteX3" y="connsiteY3"/>
+              </a:cxn>
+            </a:cxnLst>
+            <a:rect l="l" t="t" r="r" b="b"/>
+            <a:pathLst>
+              <a:path w="1276350" h="1172070">
+                <a:moveTo>
+                  <a:pt x="0" y="0"/>
+                </a:moveTo>
+                <a:lnTo>
+                  <a:pt x="1276350" y="0"/>
+                </a:lnTo>
+                <a:lnTo>
+                  <a:pt x="1276350" y="1172070"/>
+                </a:lnTo>
+                <a:lnTo>
+                  <a:pt x="0" y="1172070"/>
+                </a:lnTo>
+                <a:close/>
+              </a:path>
+            </a:pathLst>
+          </a:custGeom>
+        </p:spPr>
+      </p:pic>
+      <p:pic>
+        <p:nvPicPr>
+          <p:cNvPr id="28" name="图片 27">
+            <a:extLst>
+              <a:ext uri="{FF2B5EF4-FFF2-40B4-BE49-F238E27FC236}">
+                <a16:creationId xmlns:a16="http://schemas.microsoft.com/office/drawing/2014/main" id="{331622B9-504F-4B80-AD00-8C58288132B0}"/>
+              </a:ext>
+            </a:extLst>
+          </p:cNvPr>
+          <p:cNvPicPr>
+            <a:picLocks noChangeAspect="1"/>
+          </p:cNvPicPr>
+          <p:nvPr/>
+        </p:nvPicPr>
+        <p:blipFill rotWithShape="1">
+          <a:blip r:embed="rId2"/>
+          <a:srcRect l="81276" t="63017" r="8776" b="4822"/>
+          <a:stretch/>
+        </p:blipFill>
+        <p:spPr>
+          <a:xfrm>
+            <a:off x="1752599" y="2726419"/>
+            <a:ext cx="1276351" cy="1172070"/>
+          </a:xfrm>
+          <a:custGeom>
+            <a:avLst/>
+            <a:gdLst>
+              <a:gd name="connsiteX0" fmla="*/ 0 w 1276351"/>
+              <a:gd name="connsiteY0" fmla="*/ 0 h 1172070"/>
+              <a:gd name="connsiteX1" fmla="*/ 1276351 w 1276351"/>
+              <a:gd name="connsiteY1" fmla="*/ 0 h 1172070"/>
+              <a:gd name="connsiteX2" fmla="*/ 1276351 w 1276351"/>
+              <a:gd name="connsiteY2" fmla="*/ 1172070 h 1172070"/>
+              <a:gd name="connsiteX3" fmla="*/ 0 w 1276351"/>
+              <a:gd name="connsiteY3" fmla="*/ 1172070 h 1172070"/>
+            </a:gdLst>
+            <a:ahLst/>
+            <a:cxnLst>
+              <a:cxn ang="0">
+                <a:pos x="connsiteX0" y="connsiteY0"/>
+              </a:cxn>
+              <a:cxn ang="0">
+                <a:pos x="connsiteX1" y="connsiteY1"/>
+              </a:cxn>
+              <a:cxn ang="0">
+                <a:pos x="connsiteX2" y="connsiteY2"/>
+              </a:cxn>
+              <a:cxn ang="0">
+                <a:pos x="connsiteX3" y="connsiteY3"/>
+              </a:cxn>
+            </a:cxnLst>
+            <a:rect l="l" t="t" r="r" b="b"/>
+            <a:pathLst>
+              <a:path w="1276351" h="1172070">
+                <a:moveTo>
+                  <a:pt x="0" y="0"/>
+                </a:moveTo>
+                <a:lnTo>
+                  <a:pt x="1276351" y="0"/>
+                </a:lnTo>
+                <a:lnTo>
+                  <a:pt x="1276351" y="1172070"/>
+                </a:lnTo>
+                <a:lnTo>
+                  <a:pt x="0" y="1172070"/>
+                </a:lnTo>
+                <a:close/>
+              </a:path>
+            </a:pathLst>
+          </a:custGeom>
+        </p:spPr>
+      </p:pic>
+      <p:pic>
+        <p:nvPicPr>
+          <p:cNvPr id="31" name="图片 30">
+            <a:extLst>
+              <a:ext uri="{FF2B5EF4-FFF2-40B4-BE49-F238E27FC236}">
+                <a16:creationId xmlns:a16="http://schemas.microsoft.com/office/drawing/2014/main" id="{B9D0C50E-E712-4DE7-B860-767EDE6E6994}"/>
+              </a:ext>
+            </a:extLst>
+          </p:cNvPr>
+          <p:cNvPicPr>
+            <a:picLocks noChangeAspect="1"/>
+          </p:cNvPicPr>
+          <p:nvPr/>
+        </p:nvPicPr>
+        <p:blipFill rotWithShape="1">
+          <a:blip r:embed="rId2"/>
+          <a:srcRect l="91224" t="63017" r="-1172" b="4822"/>
+          <a:stretch/>
+        </p:blipFill>
+        <p:spPr>
+          <a:xfrm>
+            <a:off x="3028950" y="2726419"/>
+            <a:ext cx="1276350" cy="1172070"/>
+          </a:xfrm>
+          <a:custGeom>
+            <a:avLst/>
+            <a:gdLst>
+              <a:gd name="connsiteX0" fmla="*/ 0 w 1276350"/>
+              <a:gd name="connsiteY0" fmla="*/ 0 h 1172070"/>
+              <a:gd name="connsiteX1" fmla="*/ 1276350 w 1276350"/>
+              <a:gd name="connsiteY1" fmla="*/ 0 h 1172070"/>
+              <a:gd name="connsiteX2" fmla="*/ 1276350 w 1276350"/>
+              <a:gd name="connsiteY2" fmla="*/ 1172070 h 1172070"/>
+              <a:gd name="connsiteX3" fmla="*/ 0 w 1276350"/>
+              <a:gd name="connsiteY3" fmla="*/ 1172070 h 1172070"/>
+            </a:gdLst>
+            <a:ahLst/>
+            <a:cxnLst>
+              <a:cxn ang="0">
+                <a:pos x="connsiteX0" y="connsiteY0"/>
+              </a:cxn>
+              <a:cxn ang="0">
+                <a:pos x="connsiteX1" y="connsiteY1"/>
+              </a:cxn>
+              <a:cxn ang="0">
+                <a:pos x="connsiteX2" y="connsiteY2"/>
+              </a:cxn>
+              <a:cxn ang="0">
+                <a:pos x="connsiteX3" y="connsiteY3"/>
+              </a:cxn>
+            </a:cxnLst>
+            <a:rect l="l" t="t" r="r" b="b"/>
+            <a:pathLst>
+              <a:path w="1276350" h="1172070">
+                <a:moveTo>
+                  <a:pt x="0" y="0"/>
+                </a:moveTo>
+                <a:lnTo>
+                  <a:pt x="1276350" y="0"/>
+                </a:lnTo>
+                <a:lnTo>
+                  <a:pt x="1276350" y="1172070"/>
+                </a:lnTo>
+                <a:lnTo>
+                  <a:pt x="0" y="1172070"/>
+                </a:lnTo>
+                <a:close/>
+              </a:path>
+            </a:pathLst>
+          </a:custGeom>
+        </p:spPr>
+      </p:pic>
+      <mc:AlternateContent xmlns:mc="http://schemas.openxmlformats.org/markup-compatibility/2006">
+        <mc:Choice xmlns:a14="http://schemas.microsoft.com/office/drawing/2010/main" Requires="a14">
+          <p:sp>
+            <p:nvSpPr>
+              <p:cNvPr id="32" name="文本框 31">
+                <a:extLst>
+                  <a:ext uri="{FF2B5EF4-FFF2-40B4-BE49-F238E27FC236}">
+                    <a16:creationId xmlns:a16="http://schemas.microsoft.com/office/drawing/2014/main" id="{807D2700-6D93-4800-8CCC-3B20FD0C41E6}"/>
+                  </a:ext>
+                </a:extLst>
+              </p:cNvPr>
+              <p:cNvSpPr txBox="1"/>
+              <p:nvPr/>
+            </p:nvSpPr>
+            <p:spPr>
+              <a:xfrm>
+                <a:off x="5781675" y="2140384"/>
+                <a:ext cx="1411347" cy="817724"/>
+              </a:xfrm>
+              <a:prstGeom prst="rect">
+                <a:avLst/>
+              </a:prstGeom>
+              <a:solidFill>
+                <a:schemeClr val="accent2">
+                  <a:lumMod val="20000"/>
+                  <a:lumOff val="80000"/>
+                </a:schemeClr>
+              </a:solidFill>
+              <a:ln>
+                <a:solidFill>
+                  <a:schemeClr val="accent1"/>
+                </a:solidFill>
+              </a:ln>
+            </p:spPr>
+            <p:txBody>
+              <a:bodyPr wrap="none" lIns="0" tIns="0" rIns="0" bIns="0" rtlCol="0">
+                <a:spAutoFit/>
+              </a:bodyPr>
+              <a:lstStyle/>
+              <a:p>
+                <a14:m>
+                  <m:oMathPara xmlns:m="http://schemas.openxmlformats.org/officeDocument/2006/math">
+                    <m:oMathParaPr>
+                      <m:jc m:val="centerGroup"/>
+                    </m:oMathParaPr>
+                    <m:oMath xmlns:m="http://schemas.openxmlformats.org/officeDocument/2006/math">
+                      <m:m>
+                        <m:mPr>
+                          <m:mcs>
+                            <m:mc>
+                              <m:mcPr>
+                                <m:count m:val="3"/>
+                                <m:mcJc m:val="center"/>
+                              </m:mcPr>
+                            </m:mc>
+                          </m:mcs>
+                          <m:ctrlPr>
+                            <a:rPr lang="en-US" altLang="zh-CN" i="1" smtClean="0">
+                              <a:latin typeface="Cambria Math" panose="02040503050406030204" pitchFamily="18" charset="0"/>
+                            </a:rPr>
+                          </m:ctrlPr>
+                        </m:mPr>
+                        <m:mr>
+                          <m:e>
+                            <m:sSub>
+                              <m:sSubPr>
+                                <m:ctrlPr>
+                                  <a:rPr lang="en-US" altLang="zh-CN" b="0" i="1" smtClean="0">
+                                    <a:latin typeface="Cambria Math" panose="02040503050406030204" pitchFamily="18" charset="0"/>
+                                  </a:rPr>
+                                </m:ctrlPr>
+                              </m:sSubPr>
+                              <m:e>
+                                <m:r>
+                                  <a:rPr lang="en-US" altLang="zh-CN" b="0" i="1" smtClean="0">
+                                    <a:latin typeface="Cambria Math" panose="02040503050406030204" pitchFamily="18" charset="0"/>
+                                  </a:rPr>
+                                  <m:t>𝑓</m:t>
+                                </m:r>
+                              </m:e>
+                              <m:sub>
+                                <m:r>
+                                  <a:rPr lang="en-US" altLang="zh-CN" b="0" i="1" smtClean="0">
+                                    <a:latin typeface="Cambria Math" panose="02040503050406030204" pitchFamily="18" charset="0"/>
+                                  </a:rPr>
+                                  <m:t>31</m:t>
+                                </m:r>
+                              </m:sub>
+                            </m:sSub>
+                          </m:e>
+                          <m:e>
+                            <m:sSub>
+                              <m:sSubPr>
+                                <m:ctrlPr>
+                                  <a:rPr lang="en-US" altLang="zh-CN" i="1">
+                                    <a:latin typeface="Cambria Math" panose="02040503050406030204" pitchFamily="18" charset="0"/>
+                                  </a:rPr>
+                                </m:ctrlPr>
+                              </m:sSubPr>
+                              <m:e>
+                                <m:r>
+                                  <a:rPr lang="en-US" altLang="zh-CN" i="1">
+                                    <a:latin typeface="Cambria Math" panose="02040503050406030204" pitchFamily="18" charset="0"/>
+                                  </a:rPr>
+                                  <m:t>𝑓</m:t>
+                                </m:r>
+                              </m:e>
+                              <m:sub>
+                                <m:r>
+                                  <a:rPr lang="en-US" altLang="zh-CN" i="1">
+                                    <a:latin typeface="Cambria Math" panose="02040503050406030204" pitchFamily="18" charset="0"/>
+                                  </a:rPr>
+                                  <m:t>3</m:t>
+                                </m:r>
+                                <m:r>
+                                  <a:rPr lang="en-US" altLang="zh-CN" b="0" i="1" smtClean="0">
+                                    <a:latin typeface="Cambria Math" panose="02040503050406030204" pitchFamily="18" charset="0"/>
+                                  </a:rPr>
+                                  <m:t>2</m:t>
+                                </m:r>
+                              </m:sub>
+                            </m:sSub>
+                          </m:e>
+                          <m:e>
+                            <m:sSub>
+                              <m:sSubPr>
+                                <m:ctrlPr>
+                                  <a:rPr lang="en-US" altLang="zh-CN" i="1" smtClean="0">
+                                    <a:latin typeface="Cambria Math" panose="02040503050406030204" pitchFamily="18" charset="0"/>
+                                  </a:rPr>
+                                </m:ctrlPr>
+                              </m:sSubPr>
+                              <m:e>
+                                <m:r>
+                                  <a:rPr lang="en-US" altLang="zh-CN" i="1">
+                                    <a:latin typeface="Cambria Math" panose="02040503050406030204" pitchFamily="18" charset="0"/>
+                                  </a:rPr>
+                                  <m:t>𝑓</m:t>
+                                </m:r>
+                              </m:e>
+                              <m:sub>
+                                <m:r>
+                                  <a:rPr lang="en-US" altLang="zh-CN" i="1">
+                                    <a:latin typeface="Cambria Math" panose="02040503050406030204" pitchFamily="18" charset="0"/>
+                                  </a:rPr>
+                                  <m:t>3</m:t>
+                                </m:r>
+                                <m:r>
+                                  <a:rPr lang="en-US" altLang="zh-CN" b="0" i="1" smtClean="0">
+                                    <a:latin typeface="Cambria Math" panose="02040503050406030204" pitchFamily="18" charset="0"/>
+                                  </a:rPr>
+                                  <m:t>3</m:t>
+                                </m:r>
+                              </m:sub>
+                            </m:sSub>
+                          </m:e>
+                        </m:mr>
+                        <m:mr>
+                          <m:e>
+                            <m:sSub>
+                              <m:sSubPr>
+                                <m:ctrlPr>
+                                  <a:rPr lang="en-US" altLang="zh-CN" i="1">
+                                    <a:latin typeface="Cambria Math" panose="02040503050406030204" pitchFamily="18" charset="0"/>
+                                  </a:rPr>
+                                </m:ctrlPr>
+                              </m:sSubPr>
+                              <m:e>
+                                <m:r>
+                                  <a:rPr lang="en-US" altLang="zh-CN" i="1">
+                                    <a:latin typeface="Cambria Math" panose="02040503050406030204" pitchFamily="18" charset="0"/>
+                                  </a:rPr>
+                                  <m:t>𝑓</m:t>
+                                </m:r>
+                              </m:e>
+                              <m:sub>
+                                <m:r>
+                                  <a:rPr lang="en-US" altLang="zh-CN" b="0" i="1" smtClean="0">
+                                    <a:latin typeface="Cambria Math" panose="02040503050406030204" pitchFamily="18" charset="0"/>
+                                  </a:rPr>
+                                  <m:t>2</m:t>
+                                </m:r>
+                                <m:r>
+                                  <a:rPr lang="en-US" altLang="zh-CN" i="1">
+                                    <a:latin typeface="Cambria Math" panose="02040503050406030204" pitchFamily="18" charset="0"/>
+                                  </a:rPr>
+                                  <m:t>1</m:t>
+                                </m:r>
+                              </m:sub>
+                            </m:sSub>
+                          </m:e>
+                          <m:e>
+                            <m:sSub>
+                              <m:sSubPr>
+                                <m:ctrlPr>
+                                  <a:rPr lang="en-US" altLang="zh-CN" i="1">
+                                    <a:latin typeface="Cambria Math" panose="02040503050406030204" pitchFamily="18" charset="0"/>
+                                  </a:rPr>
+                                </m:ctrlPr>
+                              </m:sSubPr>
+                              <m:e>
+                                <m:r>
+                                  <a:rPr lang="en-US" altLang="zh-CN" i="1">
+                                    <a:latin typeface="Cambria Math" panose="02040503050406030204" pitchFamily="18" charset="0"/>
+                                  </a:rPr>
+                                  <m:t>𝑓</m:t>
+                                </m:r>
+                              </m:e>
+                              <m:sub>
+                                <m:r>
+                                  <a:rPr lang="en-US" altLang="zh-CN" b="0" i="1" smtClean="0">
+                                    <a:latin typeface="Cambria Math" panose="02040503050406030204" pitchFamily="18" charset="0"/>
+                                  </a:rPr>
+                                  <m:t>22</m:t>
+                                </m:r>
+                              </m:sub>
+                            </m:sSub>
+                          </m:e>
+                          <m:e>
+                            <m:sSub>
+                              <m:sSubPr>
+                                <m:ctrlPr>
+                                  <a:rPr lang="en-US" altLang="zh-CN" i="1">
+                                    <a:latin typeface="Cambria Math" panose="02040503050406030204" pitchFamily="18" charset="0"/>
+                                  </a:rPr>
+                                </m:ctrlPr>
+                              </m:sSubPr>
+                              <m:e>
+                                <m:r>
+                                  <a:rPr lang="en-US" altLang="zh-CN" i="1">
+                                    <a:latin typeface="Cambria Math" panose="02040503050406030204" pitchFamily="18" charset="0"/>
+                                  </a:rPr>
+                                  <m:t>𝑓</m:t>
+                                </m:r>
+                              </m:e>
+                              <m:sub>
+                                <m:r>
+                                  <a:rPr lang="en-US" altLang="zh-CN" b="0" i="1" smtClean="0">
+                                    <a:latin typeface="Cambria Math" panose="02040503050406030204" pitchFamily="18" charset="0"/>
+                                  </a:rPr>
+                                  <m:t>23</m:t>
+                                </m:r>
+                              </m:sub>
+                            </m:sSub>
+                          </m:e>
+                        </m:mr>
+                        <m:mr>
+                          <m:e>
+                            <m:sSub>
+                              <m:sSubPr>
+                                <m:ctrlPr>
+                                  <a:rPr lang="en-US" altLang="zh-CN" i="1">
+                                    <a:latin typeface="Cambria Math" panose="02040503050406030204" pitchFamily="18" charset="0"/>
+                                  </a:rPr>
+                                </m:ctrlPr>
+                              </m:sSubPr>
+                              <m:e>
+                                <m:r>
+                                  <a:rPr lang="en-US" altLang="zh-CN" i="1">
+                                    <a:latin typeface="Cambria Math" panose="02040503050406030204" pitchFamily="18" charset="0"/>
+                                  </a:rPr>
+                                  <m:t>𝑓</m:t>
+                                </m:r>
+                              </m:e>
+                              <m:sub>
+                                <m:r>
+                                  <a:rPr lang="en-US" altLang="zh-CN" b="0" i="1" smtClean="0">
+                                    <a:latin typeface="Cambria Math" panose="02040503050406030204" pitchFamily="18" charset="0"/>
+                                  </a:rPr>
+                                  <m:t>1</m:t>
+                                </m:r>
+                                <m:r>
+                                  <a:rPr lang="en-US" altLang="zh-CN" i="1">
+                                    <a:latin typeface="Cambria Math" panose="02040503050406030204" pitchFamily="18" charset="0"/>
+                                  </a:rPr>
+                                  <m:t>1</m:t>
+                                </m:r>
+                              </m:sub>
+                            </m:sSub>
+                          </m:e>
+                          <m:e>
+                            <m:sSub>
+                              <m:sSubPr>
+                                <m:ctrlPr>
+                                  <a:rPr lang="en-US" altLang="zh-CN" i="1">
+                                    <a:latin typeface="Cambria Math" panose="02040503050406030204" pitchFamily="18" charset="0"/>
+                                  </a:rPr>
+                                </m:ctrlPr>
+                              </m:sSubPr>
+                              <m:e>
+                                <m:r>
+                                  <a:rPr lang="en-US" altLang="zh-CN" i="1">
+                                    <a:latin typeface="Cambria Math" panose="02040503050406030204" pitchFamily="18" charset="0"/>
+                                  </a:rPr>
+                                  <m:t>𝑓</m:t>
+                                </m:r>
+                              </m:e>
+                              <m:sub>
+                                <m:r>
+                                  <a:rPr lang="en-US" altLang="zh-CN" b="0" i="1" smtClean="0">
+                                    <a:latin typeface="Cambria Math" panose="02040503050406030204" pitchFamily="18" charset="0"/>
+                                  </a:rPr>
+                                  <m:t>12</m:t>
+                                </m:r>
+                              </m:sub>
+                            </m:sSub>
+                          </m:e>
+                          <m:e>
+                            <m:sSub>
+                              <m:sSubPr>
+                                <m:ctrlPr>
+                                  <a:rPr lang="en-US" altLang="zh-CN" i="1">
+                                    <a:latin typeface="Cambria Math" panose="02040503050406030204" pitchFamily="18" charset="0"/>
+                                  </a:rPr>
+                                </m:ctrlPr>
+                              </m:sSubPr>
+                              <m:e>
+                                <m:r>
+                                  <a:rPr lang="en-US" altLang="zh-CN" i="1">
+                                    <a:latin typeface="Cambria Math" panose="02040503050406030204" pitchFamily="18" charset="0"/>
+                                  </a:rPr>
+                                  <m:t>𝑓</m:t>
+                                </m:r>
+                              </m:e>
+                              <m:sub>
+                                <m:r>
+                                  <a:rPr lang="en-US" altLang="zh-CN" b="0" i="1" smtClean="0">
+                                    <a:latin typeface="Cambria Math" panose="02040503050406030204" pitchFamily="18" charset="0"/>
+                                  </a:rPr>
+                                  <m:t>13</m:t>
+                                </m:r>
+                              </m:sub>
+                            </m:sSub>
+                          </m:e>
+                        </m:mr>
+                      </m:m>
+                    </m:oMath>
+                  </m:oMathPara>
+                </a14:m>
+                <a:endParaRPr lang="zh-CN" altLang="en-US" dirty="0"/>
+              </a:p>
+            </p:txBody>
+          </p:sp>
+        </mc:Choice>
+        <mc:Fallback>
+          <p:sp>
+            <p:nvSpPr>
+              <p:cNvPr id="32" name="文本框 31">
+                <a:extLst>
+                  <a:ext uri="{FF2B5EF4-FFF2-40B4-BE49-F238E27FC236}">
+                    <a16:creationId xmlns:a16="http://schemas.microsoft.com/office/drawing/2014/main" id="{807D2700-6D93-4800-8CCC-3B20FD0C41E6}"/>
+                  </a:ext>
+                </a:extLst>
+              </p:cNvPr>
+              <p:cNvSpPr txBox="1">
+                <a:spLocks noRot="1" noChangeAspect="1" noMove="1" noResize="1" noEditPoints="1" noAdjustHandles="1" noChangeArrowheads="1" noChangeShapeType="1" noTextEdit="1"/>
+              </p:cNvSpPr>
+              <p:nvPr/>
+            </p:nvSpPr>
+            <p:spPr>
+              <a:xfrm>
+                <a:off x="5781675" y="2140384"/>
+                <a:ext cx="1411347" cy="817724"/>
+              </a:xfrm>
+              <a:prstGeom prst="rect">
+                <a:avLst/>
+              </a:prstGeom>
+              <a:blipFill>
+                <a:blip r:embed="rId3"/>
+                <a:stretch>
+                  <a:fillRect/>
+                </a:stretch>
+              </a:blipFill>
+              <a:ln>
+                <a:solidFill>
+                  <a:schemeClr val="accent1"/>
+                </a:solidFill>
+              </a:ln>
+            </p:spPr>
+            <p:txBody>
+              <a:bodyPr/>
+              <a:lstStyle/>
+              <a:p>
+                <a:r>
+                  <a:rPr lang="zh-CN" altLang="en-US">
+                    <a:noFill/>
+                  </a:rPr>
+                  <a:t> </a:t>
+                </a:r>
+              </a:p>
+            </p:txBody>
+          </p:sp>
+        </mc:Fallback>
+      </mc:AlternateContent>
+      <mc:AlternateContent xmlns:mc="http://schemas.openxmlformats.org/markup-compatibility/2006">
+        <mc:Choice xmlns:a14="http://schemas.microsoft.com/office/drawing/2010/main" Requires="a14">
+          <p:sp>
+            <p:nvSpPr>
+              <p:cNvPr id="33" name="文本框 32">
+                <a:extLst>
+                  <a:ext uri="{FF2B5EF4-FFF2-40B4-BE49-F238E27FC236}">
+                    <a16:creationId xmlns:a16="http://schemas.microsoft.com/office/drawing/2014/main" id="{09CC0757-E989-4F1D-8F56-D9974D463123}"/>
+                  </a:ext>
+                </a:extLst>
+              </p:cNvPr>
+              <p:cNvSpPr txBox="1"/>
+              <p:nvPr/>
+            </p:nvSpPr>
+            <p:spPr>
+              <a:xfrm>
+                <a:off x="7791450" y="4064434"/>
+                <a:ext cx="1528046" cy="1660776"/>
+              </a:xfrm>
+              <a:prstGeom prst="rect">
+                <a:avLst/>
+              </a:prstGeom>
+              <a:solidFill>
+                <a:schemeClr val="accent2">
+                  <a:lumMod val="20000"/>
+                  <a:lumOff val="80000"/>
+                </a:schemeClr>
+              </a:solidFill>
+              <a:ln>
+                <a:solidFill>
+                  <a:schemeClr val="accent1"/>
+                </a:solidFill>
+              </a:ln>
+            </p:spPr>
+            <p:txBody>
+              <a:bodyPr wrap="square" lIns="0" tIns="0" rIns="0" bIns="0" rtlCol="0">
+                <a:spAutoFit/>
+              </a:bodyPr>
+              <a:lstStyle/>
+              <a:p>
+                <a14:m>
+                  <m:oMathPara xmlns:m="http://schemas.openxmlformats.org/officeDocument/2006/math">
+                    <m:oMathParaPr>
+                      <m:jc m:val="centerGroup"/>
+                    </m:oMathParaPr>
+                    <m:oMath xmlns:m="http://schemas.openxmlformats.org/officeDocument/2006/math">
+                      <m:m>
+                        <m:mPr>
+                          <m:mcs>
+                            <m:mc>
+                              <m:mcPr>
+                                <m:count m:val="3"/>
+                                <m:mcJc m:val="center"/>
+                              </m:mcPr>
+                            </m:mc>
+                          </m:mcs>
+                          <m:ctrlPr>
+                            <a:rPr lang="en-US" altLang="zh-CN" i="1" smtClean="0">
+                              <a:latin typeface="Cambria Math" panose="02040503050406030204" pitchFamily="18" charset="0"/>
+                            </a:rPr>
+                          </m:ctrlPr>
+                        </m:mPr>
+                        <m:mr>
+                          <m:e>
+                            <m:sSub>
+                              <m:sSubPr>
+                                <m:ctrlPr>
+                                  <a:rPr lang="en-US" altLang="zh-CN" b="0" i="1" smtClean="0">
+                                    <a:latin typeface="Cambria Math" panose="02040503050406030204" pitchFamily="18" charset="0"/>
+                                  </a:rPr>
+                                </m:ctrlPr>
+                              </m:sSubPr>
+                              <m:e>
+                                <m:r>
+                                  <a:rPr lang="en-US" altLang="zh-CN" b="0" i="1" smtClean="0">
+                                    <a:latin typeface="Cambria Math" panose="02040503050406030204" pitchFamily="18" charset="0"/>
+                                  </a:rPr>
+                                  <m:t>𝑑</m:t>
+                                </m:r>
+                              </m:e>
+                              <m:sub>
+                                <m:r>
+                                  <a:rPr lang="en-US" altLang="zh-CN" b="0" i="1" smtClean="0">
+                                    <a:latin typeface="Cambria Math" panose="02040503050406030204" pitchFamily="18" charset="0"/>
+                                  </a:rPr>
+                                  <m:t>11</m:t>
+                                </m:r>
+                              </m:sub>
+                            </m:sSub>
+                          </m:e>
+                          <m:e/>
+                          <m:e/>
+                        </m:mr>
+                        <m:mr>
+                          <m:e>
+                            <m:sSub>
+                              <m:sSubPr>
+                                <m:ctrlPr>
+                                  <a:rPr lang="en-US" altLang="zh-CN" i="1">
+                                    <a:latin typeface="Cambria Math" panose="02040503050406030204" pitchFamily="18" charset="0"/>
+                                  </a:rPr>
+                                </m:ctrlPr>
+                              </m:sSubPr>
+                              <m:e>
+                                <m:r>
+                                  <a:rPr lang="en-US" altLang="zh-CN" b="0" i="1" smtClean="0">
+                                    <a:latin typeface="Cambria Math" panose="02040503050406030204" pitchFamily="18" charset="0"/>
+                                  </a:rPr>
+                                  <m:t>𝑑</m:t>
+                                </m:r>
+                              </m:e>
+                              <m:sub>
+                                <m:r>
+                                  <a:rPr lang="en-US" altLang="zh-CN" b="0" i="1" smtClean="0">
+                                    <a:latin typeface="Cambria Math" panose="02040503050406030204" pitchFamily="18" charset="0"/>
+                                  </a:rPr>
+                                  <m:t>2</m:t>
+                                </m:r>
+                                <m:r>
+                                  <a:rPr lang="en-US" altLang="zh-CN" i="1">
+                                    <a:latin typeface="Cambria Math" panose="02040503050406030204" pitchFamily="18" charset="0"/>
+                                  </a:rPr>
+                                  <m:t>1</m:t>
+                                </m:r>
+                              </m:sub>
+                            </m:sSub>
+                          </m:e>
+                          <m:e>
+                            <m:sSub>
+                              <m:sSubPr>
+                                <m:ctrlPr>
+                                  <a:rPr lang="en-US" altLang="zh-CN" i="1">
+                                    <a:latin typeface="Cambria Math" panose="02040503050406030204" pitchFamily="18" charset="0"/>
+                                  </a:rPr>
+                                </m:ctrlPr>
+                              </m:sSubPr>
+                              <m:e>
+                                <m:r>
+                                  <a:rPr lang="en-US" altLang="zh-CN" b="0" i="1" smtClean="0">
+                                    <a:latin typeface="Cambria Math" panose="02040503050406030204" pitchFamily="18" charset="0"/>
+                                  </a:rPr>
+                                  <m:t>𝑑</m:t>
+                                </m:r>
+                              </m:e>
+                              <m:sub>
+                                <m:r>
+                                  <a:rPr lang="en-US" altLang="zh-CN" b="0" i="1" smtClean="0">
+                                    <a:latin typeface="Cambria Math" panose="02040503050406030204" pitchFamily="18" charset="0"/>
+                                  </a:rPr>
+                                  <m:t>12</m:t>
+                                </m:r>
+                              </m:sub>
+                            </m:sSub>
+                          </m:e>
+                          <m:e/>
+                        </m:mr>
+                        <m:mr>
+                          <m:e>
+                            <m:sSub>
+                              <m:sSubPr>
+                                <m:ctrlPr>
+                                  <a:rPr lang="en-US" altLang="zh-CN" i="1" smtClean="0">
+                                    <a:latin typeface="Cambria Math" panose="02040503050406030204" pitchFamily="18" charset="0"/>
+                                  </a:rPr>
+                                </m:ctrlPr>
+                              </m:sSubPr>
+                              <m:e>
+                                <m:r>
+                                  <a:rPr lang="en-US" altLang="zh-CN" b="0" i="1" smtClean="0">
+                                    <a:latin typeface="Cambria Math" panose="02040503050406030204" pitchFamily="18" charset="0"/>
+                                  </a:rPr>
+                                  <m:t>𝑑</m:t>
+                                </m:r>
+                              </m:e>
+                              <m:sub>
+                                <m:r>
+                                  <a:rPr lang="en-US" altLang="zh-CN" b="0" i="1" smtClean="0">
+                                    <a:latin typeface="Cambria Math" panose="02040503050406030204" pitchFamily="18" charset="0"/>
+                                  </a:rPr>
+                                  <m:t>3</m:t>
+                                </m:r>
+                                <m:r>
+                                  <a:rPr lang="en-US" altLang="zh-CN" i="1">
+                                    <a:latin typeface="Cambria Math" panose="02040503050406030204" pitchFamily="18" charset="0"/>
+                                  </a:rPr>
+                                  <m:t>1</m:t>
+                                </m:r>
+                              </m:sub>
+                            </m:sSub>
+                          </m:e>
+                          <m:e>
+                            <m:sSub>
+                              <m:sSubPr>
+                                <m:ctrlPr>
+                                  <a:rPr lang="en-US" altLang="zh-CN" i="1">
+                                    <a:latin typeface="Cambria Math" panose="02040503050406030204" pitchFamily="18" charset="0"/>
+                                  </a:rPr>
+                                </m:ctrlPr>
+                              </m:sSubPr>
+                              <m:e>
+                                <m:r>
+                                  <a:rPr lang="en-US" altLang="zh-CN" b="0" i="1" smtClean="0">
+                                    <a:latin typeface="Cambria Math" panose="02040503050406030204" pitchFamily="18" charset="0"/>
+                                  </a:rPr>
+                                  <m:t>𝑑</m:t>
+                                </m:r>
+                              </m:e>
+                              <m:sub>
+                                <m:r>
+                                  <a:rPr lang="en-US" altLang="zh-CN" b="0" i="1" smtClean="0">
+                                    <a:latin typeface="Cambria Math" panose="02040503050406030204" pitchFamily="18" charset="0"/>
+                                  </a:rPr>
+                                  <m:t>22</m:t>
+                                </m:r>
+                              </m:sub>
+                            </m:sSub>
+                          </m:e>
+                          <m:e>
+                            <m:sSub>
+                              <m:sSubPr>
+                                <m:ctrlPr>
+                                  <a:rPr lang="en-US" altLang="zh-CN" i="1">
+                                    <a:latin typeface="Cambria Math" panose="02040503050406030204" pitchFamily="18" charset="0"/>
+                                  </a:rPr>
+                                </m:ctrlPr>
+                              </m:sSubPr>
+                              <m:e>
+                                <m:r>
+                                  <a:rPr lang="en-US" altLang="zh-CN" b="0" i="1" smtClean="0">
+                                    <a:latin typeface="Cambria Math" panose="02040503050406030204" pitchFamily="18" charset="0"/>
+                                  </a:rPr>
+                                  <m:t>𝑑</m:t>
+                                </m:r>
+                              </m:e>
+                              <m:sub>
+                                <m:r>
+                                  <a:rPr lang="en-US" altLang="zh-CN" b="0" i="1" smtClean="0">
+                                    <a:latin typeface="Cambria Math" panose="02040503050406030204" pitchFamily="18" charset="0"/>
+                                  </a:rPr>
+                                  <m:t>13</m:t>
+                                </m:r>
+                              </m:sub>
+                            </m:sSub>
+                          </m:e>
+                        </m:mr>
+                      </m:m>
+                    </m:oMath>
+                  </m:oMathPara>
+                </a14:m>
+                <a:endParaRPr lang="en-US" altLang="zh-CN" dirty="0"/>
+              </a:p>
+              <a:p>
+                <a14:m>
+                  <m:oMathPara xmlns:m="http://schemas.openxmlformats.org/officeDocument/2006/math">
+                    <m:oMathParaPr>
+                      <m:jc m:val="centerGroup"/>
+                    </m:oMathParaPr>
+                    <m:oMath xmlns:m="http://schemas.openxmlformats.org/officeDocument/2006/math">
+                      <m:m>
+                        <m:mPr>
+                          <m:mcs>
+                            <m:mc>
+                              <m:mcPr>
+                                <m:count m:val="3"/>
+                                <m:mcJc m:val="center"/>
+                              </m:mcPr>
+                            </m:mc>
+                          </m:mcs>
+                          <m:ctrlPr>
+                            <a:rPr lang="en-US" altLang="zh-CN" i="1" smtClean="0">
+                              <a:latin typeface="Cambria Math" panose="02040503050406030204" pitchFamily="18" charset="0"/>
+                            </a:rPr>
+                          </m:ctrlPr>
+                        </m:mPr>
+                        <m:mr>
+                          <m:e/>
+                          <m:e>
+                            <m:sSub>
+                              <m:sSubPr>
+                                <m:ctrlPr>
+                                  <a:rPr lang="en-US" altLang="zh-CN" i="1">
+                                    <a:latin typeface="Cambria Math" panose="02040503050406030204" pitchFamily="18" charset="0"/>
+                                  </a:rPr>
+                                </m:ctrlPr>
+                              </m:sSubPr>
+                              <m:e>
+                                <m:r>
+                                  <a:rPr lang="en-US" altLang="zh-CN" i="1">
+                                    <a:latin typeface="Cambria Math" panose="02040503050406030204" pitchFamily="18" charset="0"/>
+                                  </a:rPr>
+                                  <m:t>𝑑</m:t>
+                                </m:r>
+                              </m:e>
+                              <m:sub>
+                                <m:r>
+                                  <a:rPr lang="en-US" altLang="zh-CN" i="1">
+                                    <a:latin typeface="Cambria Math" panose="02040503050406030204" pitchFamily="18" charset="0"/>
+                                  </a:rPr>
+                                  <m:t>32</m:t>
+                                </m:r>
+                              </m:sub>
+                            </m:sSub>
+                          </m:e>
+                          <m:e>
+                            <m:sSub>
+                              <m:sSubPr>
+                                <m:ctrlPr>
+                                  <a:rPr lang="en-US" altLang="zh-CN" i="1">
+                                    <a:latin typeface="Cambria Math" panose="02040503050406030204" pitchFamily="18" charset="0"/>
+                                  </a:rPr>
+                                </m:ctrlPr>
+                              </m:sSubPr>
+                              <m:e>
+                                <m:r>
+                                  <a:rPr lang="en-US" altLang="zh-CN" i="1">
+                                    <a:latin typeface="Cambria Math" panose="02040503050406030204" pitchFamily="18" charset="0"/>
+                                  </a:rPr>
+                                  <m:t>𝑑</m:t>
+                                </m:r>
+                              </m:e>
+                              <m:sub>
+                                <m:r>
+                                  <a:rPr lang="en-US" altLang="zh-CN" i="1">
+                                    <a:latin typeface="Cambria Math" panose="02040503050406030204" pitchFamily="18" charset="0"/>
+                                  </a:rPr>
+                                  <m:t>2</m:t>
+                                </m:r>
+                                <m:r>
+                                  <a:rPr lang="en-US" altLang="zh-CN" i="1">
+                                    <a:latin typeface="Cambria Math" panose="02040503050406030204" pitchFamily="18" charset="0"/>
+                                  </a:rPr>
+                                  <m:t>3</m:t>
+                                </m:r>
+                              </m:sub>
+                            </m:sSub>
+                          </m:e>
+                        </m:mr>
+                        <m:mr>
+                          <m:e/>
+                          <m:e/>
+                          <m:e>
+                            <m:sSub>
+                              <m:sSubPr>
+                                <m:ctrlPr>
+                                  <a:rPr lang="en-US" altLang="zh-CN" i="1">
+                                    <a:latin typeface="Cambria Math" panose="02040503050406030204" pitchFamily="18" charset="0"/>
+                                  </a:rPr>
+                                </m:ctrlPr>
+                              </m:sSubPr>
+                              <m:e>
+                                <m:r>
+                                  <a:rPr lang="en-US" altLang="zh-CN" i="1">
+                                    <a:latin typeface="Cambria Math" panose="02040503050406030204" pitchFamily="18" charset="0"/>
+                                  </a:rPr>
+                                  <m:t>𝑑</m:t>
+                                </m:r>
+                              </m:e>
+                              <m:sub>
+                                <m:r>
+                                  <a:rPr lang="en-US" altLang="zh-CN" i="1">
+                                    <a:latin typeface="Cambria Math" panose="02040503050406030204" pitchFamily="18" charset="0"/>
+                                  </a:rPr>
+                                  <m:t>3</m:t>
+                                </m:r>
+                                <m:r>
+                                  <a:rPr lang="en-US" altLang="zh-CN" i="1">
+                                    <a:latin typeface="Cambria Math" panose="02040503050406030204" pitchFamily="18" charset="0"/>
+                                  </a:rPr>
+                                  <m:t>3</m:t>
+                                </m:r>
+                              </m:sub>
+                            </m:sSub>
+                          </m:e>
+                        </m:mr>
+                        <m:mr>
+                          <m:e/>
+                          <m:e/>
+                          <m:e/>
+                        </m:mr>
+                      </m:m>
+                    </m:oMath>
+                  </m:oMathPara>
+                </a14:m>
+                <a:endParaRPr lang="en-US" altLang="zh-CN" dirty="0"/>
+              </a:p>
+            </p:txBody>
+          </p:sp>
+        </mc:Choice>
+        <mc:Fallback>
+          <p:sp>
+            <p:nvSpPr>
+              <p:cNvPr id="33" name="文本框 32">
+                <a:extLst>
+                  <a:ext uri="{FF2B5EF4-FFF2-40B4-BE49-F238E27FC236}">
+                    <a16:creationId xmlns:a16="http://schemas.microsoft.com/office/drawing/2014/main" id="{09CC0757-E989-4F1D-8F56-D9974D463123}"/>
+                  </a:ext>
+                </a:extLst>
+              </p:cNvPr>
+              <p:cNvSpPr txBox="1">
+                <a:spLocks noRot="1" noChangeAspect="1" noMove="1" noResize="1" noEditPoints="1" noAdjustHandles="1" noChangeArrowheads="1" noChangeShapeType="1" noTextEdit="1"/>
+              </p:cNvSpPr>
+              <p:nvPr/>
+            </p:nvSpPr>
+            <p:spPr>
+              <a:xfrm>
+                <a:off x="7791450" y="4064434"/>
+                <a:ext cx="1528046" cy="1660776"/>
+              </a:xfrm>
+              <a:prstGeom prst="rect">
+                <a:avLst/>
+              </a:prstGeom>
+              <a:blipFill>
+                <a:blip r:embed="rId4"/>
+                <a:stretch>
+                  <a:fillRect/>
+                </a:stretch>
+              </a:blipFill>
+              <a:ln>
+                <a:solidFill>
+                  <a:schemeClr val="accent1"/>
+                </a:solidFill>
+              </a:ln>
+            </p:spPr>
+            <p:txBody>
+              <a:bodyPr/>
+              <a:lstStyle/>
+              <a:p>
+                <a:r>
+                  <a:rPr lang="zh-CN" altLang="en-US">
+                    <a:noFill/>
+                  </a:rPr>
+                  <a:t> </a:t>
+                </a:r>
+              </a:p>
+            </p:txBody>
+          </p:sp>
+        </mc:Fallback>
+      </mc:AlternateContent>
+      <mc:AlternateContent xmlns:mc="http://schemas.openxmlformats.org/markup-compatibility/2006">
+        <mc:Choice xmlns:a14="http://schemas.microsoft.com/office/drawing/2010/main" Requires="a14">
+          <p:sp>
+            <p:nvSpPr>
+              <p:cNvPr id="34" name="文本框 33">
+                <a:extLst>
+                  <a:ext uri="{FF2B5EF4-FFF2-40B4-BE49-F238E27FC236}">
+                    <a16:creationId xmlns:a16="http://schemas.microsoft.com/office/drawing/2014/main" id="{C767075B-0AC9-4960-8642-DA3B3C37FC08}"/>
+                  </a:ext>
+                </a:extLst>
+              </p:cNvPr>
+              <p:cNvSpPr txBox="1"/>
+              <p:nvPr/>
+            </p:nvSpPr>
+            <p:spPr>
+              <a:xfrm>
+                <a:off x="5638800" y="2971800"/>
+                <a:ext cx="1320554" cy="1295932"/>
+              </a:xfrm>
+              <a:prstGeom prst="rect">
+                <a:avLst/>
+              </a:prstGeom>
+              <a:noFill/>
+            </p:spPr>
+            <p:txBody>
+              <a:bodyPr wrap="none" lIns="0" tIns="0" rIns="0" bIns="0" rtlCol="0">
+                <a:spAutoFit/>
+              </a:bodyPr>
+              <a:lstStyle/>
+              <a:p>
+                <a14:m>
+                  <m:oMathPara xmlns:m="http://schemas.openxmlformats.org/officeDocument/2006/math">
+                    <m:oMathParaPr>
+                      <m:jc m:val="centerGroup"/>
+                    </m:oMathParaPr>
+                    <m:oMath xmlns:m="http://schemas.openxmlformats.org/officeDocument/2006/math">
+                      <m:d>
+                        <m:dPr>
+                          <m:begChr m:val="["/>
+                          <m:endChr m:val="]"/>
+                          <m:ctrlPr>
+                            <a:rPr lang="en-US" altLang="zh-CN" i="1" smtClean="0">
+                              <a:latin typeface="Cambria Math" panose="02040503050406030204" pitchFamily="18" charset="0"/>
+                            </a:rPr>
+                          </m:ctrlPr>
+                        </m:dPr>
+                        <m:e>
+                          <m:m>
+                            <m:mPr>
+                              <m:mcs>
+                                <m:mc>
+                                  <m:mcPr>
+                                    <m:count m:val="3"/>
+                                    <m:mcJc m:val="center"/>
+                                  </m:mcPr>
+                                </m:mc>
+                              </m:mcs>
+                              <m:ctrlPr>
+                                <a:rPr lang="en-US" altLang="zh-CN" i="1" smtClean="0">
+                                  <a:latin typeface="Cambria Math" panose="02040503050406030204" pitchFamily="18" charset="0"/>
+                                </a:rPr>
+                              </m:ctrlPr>
+                            </m:mPr>
+                            <m:mr>
+                              <m:e/>
+                              <m:e/>
+                              <m:e/>
+                            </m:mr>
+                            <m:mr>
+                              <m:e/>
+                              <m:e/>
+                              <m:e/>
+                            </m:mr>
+                            <m:mr>
+                              <m:e/>
+                              <m:e/>
+                              <m:e/>
+                            </m:mr>
+                            <m:mr>
+                              <m:e/>
+                              <m:e/>
+                              <m:e/>
+                            </m:mr>
+                            <m:mr>
+                              <m:e/>
+                              <m:e/>
+                              <m:e/>
+                            </m:mr>
+                          </m:m>
+                        </m:e>
+                      </m:d>
+                    </m:oMath>
+                  </m:oMathPara>
+                </a14:m>
+                <a:endParaRPr lang="zh-CN" altLang="en-US" dirty="0"/>
+              </a:p>
+            </p:txBody>
+          </p:sp>
+        </mc:Choice>
+        <mc:Fallback>
+          <p:sp>
+            <p:nvSpPr>
+              <p:cNvPr id="34" name="文本框 33">
+                <a:extLst>
+                  <a:ext uri="{FF2B5EF4-FFF2-40B4-BE49-F238E27FC236}">
+                    <a16:creationId xmlns:a16="http://schemas.microsoft.com/office/drawing/2014/main" id="{C767075B-0AC9-4960-8642-DA3B3C37FC08}"/>
+                  </a:ext>
+                </a:extLst>
+              </p:cNvPr>
+              <p:cNvSpPr txBox="1">
+                <a:spLocks noRot="1" noChangeAspect="1" noMove="1" noResize="1" noEditPoints="1" noAdjustHandles="1" noChangeArrowheads="1" noChangeShapeType="1" noTextEdit="1"/>
+              </p:cNvSpPr>
+              <p:nvPr/>
+            </p:nvSpPr>
+            <p:spPr>
+              <a:xfrm>
+                <a:off x="5638800" y="2971800"/>
+                <a:ext cx="1320554" cy="1295932"/>
+              </a:xfrm>
+              <a:prstGeom prst="rect">
+                <a:avLst/>
+              </a:prstGeom>
+              <a:blipFill>
+                <a:blip r:embed="rId5"/>
+                <a:stretch>
+                  <a:fillRect/>
+                </a:stretch>
+              </a:blipFill>
+            </p:spPr>
+            <p:txBody>
+              <a:bodyPr/>
+              <a:lstStyle/>
+              <a:p>
+                <a:r>
+                  <a:rPr lang="zh-CN" altLang="en-US">
+                    <a:noFill/>
+                  </a:rPr>
+                  <a:t> </a:t>
+                </a:r>
+              </a:p>
+            </p:txBody>
+          </p:sp>
+        </mc:Fallback>
+      </mc:AlternateContent>
+    </p:spTree>
+    <p:extLst>
+      <p:ext uri="{BB962C8B-B14F-4D97-AF65-F5344CB8AC3E}">
+        <p14:creationId xmlns:p14="http://schemas.microsoft.com/office/powerpoint/2010/main" val="2970341990"/>
+      </p:ext>
+    </p:extLst>
+  </p:cSld>
+  <p:clrMapOvr>
+    <a:masterClrMapping/>
+  </p:clrMapOvr>
+</p:sld>
+</file>
+
 <file path=ppt/theme/theme1.xml><?xml version="1.0" encoding="utf-8"?>
 <a:theme xmlns:a="http://schemas.openxmlformats.org/drawingml/2006/main" name="Office 主题​​">
   <a:themeElements>
